--- a/main.pptx
+++ b/main.pptx
@@ -238,7 +238,7 @@
           <a:p>
             <a:fld id="{9B7837BA-9D93-4C45-B54F-B65A88BB093F}" type="datetimeFigureOut">
               <a:rPr lang="en-US" smtClean="0"/>
-              <a:t>1/17/24</a:t>
+              <a:t>1/23/2024</a:t>
             </a:fld>
             <a:endParaRPr lang="en-US"/>
           </a:p>
@@ -777,7 +777,7 @@
           <a:p>
             <a:fld id="{AEC4DB1E-41A8-E54A-800F-F17AFBB7E653}" type="datetime1">
               <a:rPr lang="en-US" altLang="en-US" smtClean="0"/>
-              <a:t>1/17/24</a:t>
+              <a:t>1/23/2024</a:t>
             </a:fld>
             <a:endParaRPr lang="en-US" altLang="en-US"/>
           </a:p>
@@ -961,7 +961,7 @@
           <a:p>
             <a:fld id="{D152DECA-0A1D-0240-A600-9B0E6B064816}" type="datetime1">
               <a:rPr lang="en-US" altLang="en-US" smtClean="0"/>
-              <a:t>1/17/24</a:t>
+              <a:t>1/23/2024</a:t>
             </a:fld>
             <a:endParaRPr lang="en-US" altLang="en-US"/>
           </a:p>
@@ -1155,7 +1155,7 @@
           <a:p>
             <a:fld id="{9FCB6E5F-2457-E047-AF01-FD9EB6B1BF37}" type="datetime1">
               <a:rPr lang="en-US" altLang="en-US" smtClean="0"/>
-              <a:t>1/17/24</a:t>
+              <a:t>1/23/2024</a:t>
             </a:fld>
             <a:endParaRPr lang="en-US" altLang="en-US"/>
           </a:p>
@@ -1339,7 +1339,7 @@
           <a:p>
             <a:fld id="{4C7969F3-8075-4E4B-B9C7-9AB254318FC4}" type="datetime1">
               <a:rPr lang="en-US" altLang="en-US" smtClean="0"/>
-              <a:t>1/17/24</a:t>
+              <a:t>1/23/2024</a:t>
             </a:fld>
             <a:endParaRPr lang="en-US" altLang="en-US"/>
           </a:p>
@@ -1600,7 +1600,7 @@
           <a:p>
             <a:fld id="{769860F2-537E-1C45-B563-1A77FD18276D}" type="datetime1">
               <a:rPr lang="en-US" altLang="en-US" smtClean="0"/>
-              <a:t>1/17/24</a:t>
+              <a:t>1/23/2024</a:t>
             </a:fld>
             <a:endParaRPr lang="en-US" altLang="en-US"/>
           </a:p>
@@ -1901,7 +1901,7 @@
           <a:p>
             <a:fld id="{BA3608D6-724D-F649-AE0F-681D9AED40D8}" type="datetime1">
               <a:rPr lang="en-US" altLang="en-US" smtClean="0"/>
-              <a:t>1/17/24</a:t>
+              <a:t>1/23/2024</a:t>
             </a:fld>
             <a:endParaRPr lang="en-US" altLang="en-US"/>
           </a:p>
@@ -2341,7 +2341,7 @@
           <a:p>
             <a:fld id="{EA3E9FAD-AEE0-E048-918D-1FE4549385A9}" type="datetime1">
               <a:rPr lang="en-US" altLang="en-US" smtClean="0"/>
-              <a:t>1/17/24</a:t>
+              <a:t>1/23/2024</a:t>
             </a:fld>
             <a:endParaRPr lang="en-US" altLang="en-US"/>
           </a:p>
@@ -2474,7 +2474,7 @@
           <a:p>
             <a:fld id="{ADC41B02-99A4-624E-96E0-17FE2BED8740}" type="datetime1">
               <a:rPr lang="en-US" altLang="en-US" smtClean="0"/>
-              <a:t>1/17/24</a:t>
+              <a:t>1/23/2024</a:t>
             </a:fld>
             <a:endParaRPr lang="en-US" altLang="en-US"/>
           </a:p>
@@ -2585,7 +2585,7 @@
           <a:p>
             <a:fld id="{A71AA21B-70D0-FE4A-B77D-89D033F1E9E9}" type="datetime1">
               <a:rPr lang="en-US" altLang="en-US" smtClean="0"/>
-              <a:t>1/17/24</a:t>
+              <a:t>1/23/2024</a:t>
             </a:fld>
             <a:endParaRPr lang="en-US" altLang="en-US"/>
           </a:p>
@@ -2876,7 +2876,7 @@
           <a:p>
             <a:fld id="{36638361-AA2F-8440-9463-173E61B275FC}" type="datetime1">
               <a:rPr lang="en-US" altLang="en-US" smtClean="0"/>
-              <a:t>1/17/24</a:t>
+              <a:t>1/23/2024</a:t>
             </a:fld>
             <a:endParaRPr lang="en-US" altLang="en-US"/>
           </a:p>
@@ -3147,7 +3147,7 @@
           <a:p>
             <a:fld id="{5FF12B0A-FF2B-4B48-83AB-69356E5B56DB}" type="datetime1">
               <a:rPr lang="en-US" altLang="en-US" smtClean="0"/>
-              <a:t>1/17/24</a:t>
+              <a:t>1/23/2024</a:t>
             </a:fld>
             <a:endParaRPr lang="en-US" altLang="en-US"/>
           </a:p>
@@ -3430,7 +3430,7 @@
           <a:p>
             <a:fld id="{DBAEF236-8F70-304D-8928-5E711761D5B8}" type="datetime1">
               <a:rPr lang="en-US" altLang="en-US" smtClean="0"/>
-              <a:t>1/17/24</a:t>
+              <a:t>1/23/2024</a:t>
             </a:fld>
             <a:endParaRPr lang="en-US" altLang="en-US"/>
           </a:p>
@@ -3973,7 +3973,7 @@
         <p:spPr>
           <a:xfrm>
             <a:off x="-24384" y="5105830"/>
-            <a:ext cx="27456384" cy="6011579"/>
+            <a:ext cx="27456384" cy="7453534"/>
           </a:xfrm>
           <a:prstGeom prst="rect">
             <a:avLst/>
@@ -4020,8 +4020,8 @@
         </p:nvSpPr>
         <p:spPr bwMode="auto">
           <a:xfrm>
-            <a:off x="830674" y="796189"/>
-            <a:ext cx="13135026" cy="3134686"/>
+            <a:off x="533400" y="796189"/>
+            <a:ext cx="13149947" cy="4409198"/>
           </a:xfrm>
           <a:prstGeom prst="rect">
             <a:avLst/>
@@ -4172,7 +4172,7 @@
               <a:rPr lang="en-US" altLang="en-US" sz="6000" b="1" dirty="0">
                 <a:latin typeface="Century Gothic" panose="020B0502020202020204" pitchFamily="34" charset="0"/>
               </a:rPr>
-              <a:t>Sample Title Would Go Here… two lines if it is long.</a:t>
+              <a:t>Making proper use of residual drift analysis results in FEMA P-58 loss estimation.</a:t>
             </a:r>
           </a:p>
           <a:p>
@@ -4185,10 +4185,10 @@
               </a:spcAft>
             </a:pPr>
             <a:r>
-              <a:rPr lang="en-US" altLang="en-US" sz="3600" b="1" dirty="0">
+              <a:rPr lang="en-US" altLang="en-US" sz="3200" b="1" i="1" dirty="0">
                 <a:latin typeface="Century Gothic" panose="020B0502020202020204" pitchFamily="34" charset="0"/>
               </a:rPr>
-              <a:t>This would be a sub-title if needed</a:t>
+              <a:t>Increasing EDP generation accuracy, reducing estimation bias.</a:t>
             </a:r>
           </a:p>
           <a:p>
@@ -4200,9 +4200,84 @@
                 <a:spcPts val="1200"/>
               </a:spcAft>
             </a:pPr>
-            <a:endParaRPr lang="en-US" altLang="en-US" sz="3200" b="1" dirty="0">
-              <a:latin typeface="Century Gothic" panose="020B0502020202020204" pitchFamily="34" charset="0"/>
-            </a:endParaRPr>
+            <a:r>
+              <a:rPr lang="en-US" altLang="en-US" sz="2800" i="1" dirty="0">
+                <a:solidFill>
+                  <a:schemeClr val="tx1">
+                    <a:lumMod val="75000"/>
+                    <a:lumOff val="25000"/>
+                  </a:schemeClr>
+                </a:solidFill>
+                <a:latin typeface="Palatino" pitchFamily="2" charset="77"/>
+                <a:ea typeface="Palatino" pitchFamily="2" charset="77"/>
+              </a:rPr>
+              <a:t>Ioannis Vouvakis Manousakis</a:t>
+            </a:r>
+            <a:r>
+              <a:rPr lang="en-US" altLang="en-US" sz="2800" i="1" baseline="30000" dirty="0">
+                <a:solidFill>
+                  <a:schemeClr val="tx1">
+                    <a:lumMod val="75000"/>
+                    <a:lumOff val="25000"/>
+                  </a:schemeClr>
+                </a:solidFill>
+                <a:latin typeface="Palatino" pitchFamily="2" charset="77"/>
+                <a:ea typeface="Palatino" pitchFamily="2" charset="77"/>
+              </a:rPr>
+              <a:t>1</a:t>
+            </a:r>
+            <a:r>
+              <a:rPr lang="en-US" altLang="en-US" sz="2800" i="1" dirty="0">
+                <a:solidFill>
+                  <a:schemeClr val="tx1">
+                    <a:lumMod val="75000"/>
+                    <a:lumOff val="25000"/>
+                  </a:schemeClr>
+                </a:solidFill>
+                <a:latin typeface="Palatino" pitchFamily="2" charset="77"/>
+                <a:ea typeface="Palatino" pitchFamily="2" charset="77"/>
+              </a:rPr>
+              <a:t>, Adam Zsarnóczay</a:t>
+            </a:r>
+            <a:r>
+              <a:rPr lang="en-US" altLang="en-US" sz="2800" i="1" baseline="30000" dirty="0">
+                <a:solidFill>
+                  <a:schemeClr val="tx1">
+                    <a:lumMod val="75000"/>
+                    <a:lumOff val="25000"/>
+                  </a:schemeClr>
+                </a:solidFill>
+                <a:latin typeface="Palatino" pitchFamily="2" charset="77"/>
+                <a:ea typeface="Palatino" pitchFamily="2" charset="77"/>
+              </a:rPr>
+              <a:t>2</a:t>
+            </a:r>
+            <a:r>
+              <a:rPr lang="en-US" altLang="en-US" sz="2800" i="1" dirty="0">
+                <a:solidFill>
+                  <a:schemeClr val="tx1">
+                    <a:lumMod val="75000"/>
+                    <a:lumOff val="25000"/>
+                  </a:schemeClr>
+                </a:solidFill>
+                <a:latin typeface="Palatino" pitchFamily="2" charset="77"/>
+                <a:ea typeface="Palatino" pitchFamily="2" charset="77"/>
+              </a:rPr>
+              <a:t>, Dimitrios Konstantinidis</a:t>
+            </a:r>
+            <a:r>
+              <a:rPr lang="en-US" altLang="en-US" sz="2800" i="1" baseline="30000" dirty="0">
+                <a:solidFill>
+                  <a:schemeClr val="tx1">
+                    <a:lumMod val="75000"/>
+                    <a:lumOff val="25000"/>
+                  </a:schemeClr>
+                </a:solidFill>
+                <a:latin typeface="Palatino" pitchFamily="2" charset="77"/>
+                <a:ea typeface="Palatino" pitchFamily="2" charset="77"/>
+              </a:rPr>
+              <a:t>3</a:t>
+            </a:r>
           </a:p>
           <a:p>
             <a:pPr eaLnBrk="1" hangingPunct="1">
@@ -4214,7 +4289,7 @@
               </a:spcAft>
             </a:pPr>
             <a:r>
-              <a:rPr lang="en-US" altLang="en-US" sz="2800" i="1" dirty="0">
+              <a:rPr lang="en-US" altLang="en-US" sz="2000" i="1" baseline="30000" dirty="0">
                 <a:solidFill>
                   <a:schemeClr val="tx1">
                     <a:lumMod val="75000"/>
@@ -4224,10 +4299,10 @@
                 <a:latin typeface="Palatino" pitchFamily="2" charset="77"/>
                 <a:ea typeface="Palatino" pitchFamily="2" charset="77"/>
               </a:rPr>
-              <a:t>Author Number3</a:t>
-            </a:r>
-            <a:r>
-              <a:rPr lang="en-US" altLang="en-US" sz="2800" i="1" baseline="30000" dirty="0">
+              <a:t>1</a:t>
+            </a:r>
+            <a:r>
+              <a:rPr lang="en-US" altLang="en-US" sz="2000" i="1" dirty="0">
                 <a:solidFill>
                   <a:schemeClr val="tx1">
                     <a:lumMod val="75000"/>
@@ -4237,10 +4312,10 @@
                 <a:latin typeface="Palatino" pitchFamily="2" charset="77"/>
                 <a:ea typeface="Palatino" pitchFamily="2" charset="77"/>
               </a:rPr>
-              <a:t>1</a:t>
-            </a:r>
-            <a:r>
-              <a:rPr lang="en-US" altLang="en-US" sz="2800" i="1" dirty="0">
+              <a:t>University of California, Berkeley, </a:t>
+            </a:r>
+            <a:r>
+              <a:rPr lang="en-US" altLang="en-US" sz="2000" i="1" baseline="30000" dirty="0">
                 <a:solidFill>
                   <a:schemeClr val="tx1">
                     <a:lumMod val="75000"/>
@@ -4250,10 +4325,10 @@
                 <a:latin typeface="Palatino" pitchFamily="2" charset="77"/>
                 <a:ea typeface="Palatino" pitchFamily="2" charset="77"/>
               </a:rPr>
-              <a:t>, Author Number2</a:t>
-            </a:r>
-            <a:r>
-              <a:rPr lang="en-US" altLang="en-US" sz="2800" i="1" baseline="30000" dirty="0">
+              <a:t>2</a:t>
+            </a:r>
+            <a:r>
+              <a:rPr lang="en-US" altLang="en-US" sz="2000" i="1" dirty="0">
                 <a:solidFill>
                   <a:schemeClr val="tx1">
                     <a:lumMod val="75000"/>
@@ -4263,10 +4338,10 @@
                 <a:latin typeface="Palatino" pitchFamily="2" charset="77"/>
                 <a:ea typeface="Palatino" pitchFamily="2" charset="77"/>
               </a:rPr>
-              <a:t>2</a:t>
-            </a:r>
-            <a:r>
-              <a:rPr lang="en-US" altLang="en-US" sz="2800" i="1" dirty="0">
+              <a:t>Stanford University, </a:t>
+            </a:r>
+            <a:r>
+              <a:rPr lang="en-US" altLang="en-US" sz="2000" i="1" baseline="30000" dirty="0">
                 <a:solidFill>
                   <a:schemeClr val="tx1">
                     <a:lumMod val="75000"/>
@@ -4276,10 +4351,10 @@
                 <a:latin typeface="Palatino" pitchFamily="2" charset="77"/>
                 <a:ea typeface="Palatino" pitchFamily="2" charset="77"/>
               </a:rPr>
-              <a:t>, Author Number3</a:t>
-            </a:r>
-            <a:r>
-              <a:rPr lang="en-US" altLang="en-US" sz="2800" i="1" baseline="30000" dirty="0">
+              <a:t>3</a:t>
+            </a:r>
+            <a:r>
+              <a:rPr lang="en-US" altLang="en-US" sz="2000" i="1" dirty="0">
                 <a:solidFill>
                   <a:schemeClr val="tx1">
                     <a:lumMod val="75000"/>
@@ -4289,110 +4364,8 @@
                 <a:latin typeface="Palatino" pitchFamily="2" charset="77"/>
                 <a:ea typeface="Palatino" pitchFamily="2" charset="77"/>
               </a:rPr>
-              <a:t>3</a:t>
-            </a:r>
-            <a:endParaRPr lang="en-US" altLang="en-US" sz="2800" i="1" dirty="0">
-              <a:solidFill>
-                <a:schemeClr val="tx1">
-                  <a:lumMod val="75000"/>
-                  <a:lumOff val="25000"/>
-                </a:schemeClr>
-              </a:solidFill>
-              <a:latin typeface="Palatino" pitchFamily="2" charset="77"/>
-              <a:ea typeface="Palatino" pitchFamily="2" charset="77"/>
-            </a:endParaRPr>
-          </a:p>
-          <a:p>
-            <a:pPr eaLnBrk="1" hangingPunct="1">
-              <a:lnSpc>
-                <a:spcPct val="80000"/>
-              </a:lnSpc>
-            </a:pPr>
-            <a:r>
-              <a:rPr lang="en-US" altLang="en-US" sz="2000" i="1" baseline="30000" dirty="0">
-                <a:solidFill>
-                  <a:schemeClr val="tx1">
-                    <a:lumMod val="75000"/>
-                    <a:lumOff val="25000"/>
-                  </a:schemeClr>
-                </a:solidFill>
-                <a:latin typeface="Palatino" pitchFamily="2" charset="77"/>
-                <a:ea typeface="Palatino" pitchFamily="2" charset="77"/>
-              </a:rPr>
-              <a:t>1</a:t>
-            </a:r>
-            <a:r>
-              <a:rPr lang="en-US" altLang="en-US" sz="2000" i="1" dirty="0">
-                <a:solidFill>
-                  <a:schemeClr val="tx1">
-                    <a:lumMod val="75000"/>
-                    <a:lumOff val="25000"/>
-                  </a:schemeClr>
-                </a:solidFill>
-                <a:latin typeface="Palatino" pitchFamily="2" charset="77"/>
-                <a:ea typeface="Palatino" pitchFamily="2" charset="77"/>
-              </a:rPr>
-              <a:t>University of California, Berkeley, </a:t>
-            </a:r>
-            <a:r>
-              <a:rPr lang="en-US" altLang="en-US" sz="2000" i="1" baseline="30000" dirty="0">
-                <a:solidFill>
-                  <a:schemeClr val="tx1">
-                    <a:lumMod val="75000"/>
-                    <a:lumOff val="25000"/>
-                  </a:schemeClr>
-                </a:solidFill>
-                <a:latin typeface="Palatino" pitchFamily="2" charset="77"/>
-                <a:ea typeface="Palatino" pitchFamily="2" charset="77"/>
-              </a:rPr>
-              <a:t>2</a:t>
-            </a:r>
-            <a:r>
-              <a:rPr lang="en-US" altLang="en-US" sz="2000" i="1" dirty="0">
-                <a:solidFill>
-                  <a:schemeClr val="tx1">
-                    <a:lumMod val="75000"/>
-                    <a:lumOff val="25000"/>
-                  </a:schemeClr>
-                </a:solidFill>
-                <a:latin typeface="Palatino" pitchFamily="2" charset="77"/>
-                <a:ea typeface="Palatino" pitchFamily="2" charset="77"/>
-              </a:rPr>
-              <a:t>University of California, Berkeley, </a:t>
-            </a:r>
-            <a:r>
-              <a:rPr lang="en-US" altLang="en-US" sz="2000" i="1" baseline="30000" dirty="0">
-                <a:solidFill>
-                  <a:schemeClr val="tx1">
-                    <a:lumMod val="75000"/>
-                    <a:lumOff val="25000"/>
-                  </a:schemeClr>
-                </a:solidFill>
-                <a:latin typeface="Palatino" pitchFamily="2" charset="77"/>
-                <a:ea typeface="Palatino" pitchFamily="2" charset="77"/>
-              </a:rPr>
-              <a:t>1</a:t>
-            </a:r>
-            <a:r>
-              <a:rPr lang="en-US" altLang="en-US" sz="2000" i="1" dirty="0">
-                <a:solidFill>
-                  <a:schemeClr val="tx1">
-                    <a:lumMod val="75000"/>
-                    <a:lumOff val="25000"/>
-                  </a:schemeClr>
-                </a:solidFill>
-                <a:latin typeface="Palatino" pitchFamily="2" charset="77"/>
-                <a:ea typeface="Palatino" pitchFamily="2" charset="77"/>
-              </a:rPr>
               <a:t>University of California, Berkeley</a:t>
             </a:r>
-          </a:p>
-          <a:p>
-            <a:pPr eaLnBrk="1" hangingPunct="1">
-              <a:lnSpc>
-                <a:spcPct val="80000"/>
-              </a:lnSpc>
-            </a:pPr>
             <a:endParaRPr lang="en-US" altLang="en-US" sz="2000" i="1" dirty="0">
               <a:solidFill>
                 <a:schemeClr val="tx1">
@@ -4580,58 +4553,6 @@
           </a:fontRef>
         </p:style>
       </p:cxnSp>
-      <p:sp>
-        <p:nvSpPr>
-          <p:cNvPr id="7" name="Rectangle 6">
-            <a:extLst>
-              <a:ext uri="{FF2B5EF4-FFF2-40B4-BE49-F238E27FC236}">
-                <a16:creationId xmlns:a16="http://schemas.microsoft.com/office/drawing/2014/main" id="{21F0AC79-4BEA-A8F3-07D7-443AE8153BAC}"/>
-              </a:ext>
-            </a:extLst>
-          </p:cNvPr>
-          <p:cNvSpPr/>
-          <p:nvPr/>
-        </p:nvSpPr>
-        <p:spPr>
-          <a:xfrm>
-            <a:off x="13708217" y="865700"/>
-            <a:ext cx="2786562" cy="2835425"/>
-          </a:xfrm>
-          <a:prstGeom prst="rect">
-            <a:avLst/>
-          </a:prstGeom>
-          <a:solidFill>
-            <a:schemeClr val="bg1"/>
-          </a:solidFill>
-          <a:ln w="12700">
-            <a:solidFill>
-              <a:srgbClr val="E6E6E6"/>
-            </a:solidFill>
-          </a:ln>
-        </p:spPr>
-        <p:style>
-          <a:lnRef idx="1">
-            <a:schemeClr val="accent1"/>
-          </a:lnRef>
-          <a:fillRef idx="3">
-            <a:schemeClr val="accent1"/>
-          </a:fillRef>
-          <a:effectRef idx="2">
-            <a:schemeClr val="accent1"/>
-          </a:effectRef>
-          <a:fontRef idx="minor">
-            <a:schemeClr val="lt1"/>
-          </a:fontRef>
-        </p:style>
-        <p:txBody>
-          <a:bodyPr rtlCol="0" anchor="ctr"/>
-          <a:lstStyle/>
-          <a:p>
-            <a:pPr algn="ctr"/>
-            <a:endParaRPr lang="en-US"/>
-          </a:p>
-        </p:txBody>
-      </p:sp>
       <p:pic>
         <p:nvPicPr>
           <p:cNvPr id="17" name="Picture 16">
@@ -4694,139 +4615,6 @@
       </p:pic>
       <p:sp>
         <p:nvSpPr>
-          <p:cNvPr id="32" name="TextBox 31">
-            <a:extLst>
-              <a:ext uri="{FF2B5EF4-FFF2-40B4-BE49-F238E27FC236}">
-                <a16:creationId xmlns:a16="http://schemas.microsoft.com/office/drawing/2014/main" id="{C258A294-9AC2-5438-1DC6-0C1FDED6A426}"/>
-              </a:ext>
-            </a:extLst>
-          </p:cNvPr>
-          <p:cNvSpPr txBox="1"/>
-          <p:nvPr/>
-        </p:nvSpPr>
-        <p:spPr>
-          <a:xfrm>
-            <a:off x="14064297" y="1639814"/>
-            <a:ext cx="2107111" cy="1077218"/>
-          </a:xfrm>
-          <a:prstGeom prst="rect">
-            <a:avLst/>
-          </a:prstGeom>
-          <a:noFill/>
-        </p:spPr>
-        <p:txBody>
-          <a:bodyPr wrap="square" rtlCol="0">
-            <a:spAutoFit/>
-          </a:bodyPr>
-          <a:lstStyle/>
-          <a:p>
-            <a:r>
-              <a:rPr lang="en-US" sz="3200" dirty="0"/>
-              <a:t>Presenter Photo</a:t>
-            </a:r>
-          </a:p>
-        </p:txBody>
-      </p:sp>
-      <p:sp>
-        <p:nvSpPr>
-          <p:cNvPr id="35" name="Rectangle 34">
-            <a:extLst>
-              <a:ext uri="{FF2B5EF4-FFF2-40B4-BE49-F238E27FC236}">
-                <a16:creationId xmlns:a16="http://schemas.microsoft.com/office/drawing/2014/main" id="{F8DE1282-5550-A866-36F1-8FC437E99F91}"/>
-              </a:ext>
-            </a:extLst>
-          </p:cNvPr>
-          <p:cNvSpPr/>
-          <p:nvPr/>
-        </p:nvSpPr>
-        <p:spPr>
-          <a:xfrm>
-            <a:off x="17551542" y="1935854"/>
-            <a:ext cx="1698016" cy="1722326"/>
-          </a:xfrm>
-          <a:prstGeom prst="rect">
-            <a:avLst/>
-          </a:prstGeom>
-          <a:solidFill>
-            <a:schemeClr val="bg1"/>
-          </a:solidFill>
-          <a:ln w="12700">
-            <a:solidFill>
-              <a:srgbClr val="E6E6E6"/>
-            </a:solidFill>
-          </a:ln>
-        </p:spPr>
-        <p:style>
-          <a:lnRef idx="1">
-            <a:schemeClr val="accent1"/>
-          </a:lnRef>
-          <a:fillRef idx="3">
-            <a:schemeClr val="accent1"/>
-          </a:fillRef>
-          <a:effectRef idx="2">
-            <a:schemeClr val="accent1"/>
-          </a:effectRef>
-          <a:fontRef idx="minor">
-            <a:schemeClr val="lt1"/>
-          </a:fontRef>
-        </p:style>
-        <p:txBody>
-          <a:bodyPr rtlCol="0" anchor="ctr"/>
-          <a:lstStyle/>
-          <a:p>
-            <a:pPr algn="ctr"/>
-            <a:endParaRPr lang="en-US"/>
-          </a:p>
-        </p:txBody>
-      </p:sp>
-      <p:sp>
-        <p:nvSpPr>
-          <p:cNvPr id="34" name="TextBox 33">
-            <a:extLst>
-              <a:ext uri="{FF2B5EF4-FFF2-40B4-BE49-F238E27FC236}">
-                <a16:creationId xmlns:a16="http://schemas.microsoft.com/office/drawing/2014/main" id="{D82055AB-96CB-5983-D254-5EFB7564FEDD}"/>
-              </a:ext>
-            </a:extLst>
-          </p:cNvPr>
-          <p:cNvSpPr txBox="1"/>
-          <p:nvPr/>
-        </p:nvSpPr>
-        <p:spPr>
-          <a:xfrm>
-            <a:off x="17602200" y="2249154"/>
-            <a:ext cx="1917882" cy="1200329"/>
-          </a:xfrm>
-          <a:prstGeom prst="rect">
-            <a:avLst/>
-          </a:prstGeom>
-          <a:noFill/>
-        </p:spPr>
-        <p:txBody>
-          <a:bodyPr wrap="square" rtlCol="0">
-            <a:spAutoFit/>
-          </a:bodyPr>
-          <a:lstStyle/>
-          <a:p>
-            <a:r>
-              <a:rPr lang="en-US" sz="2400" dirty="0"/>
-              <a:t>Presenter </a:t>
-            </a:r>
-            <a:r>
-              <a:rPr lang="en-US" sz="2400" dirty="0" err="1"/>
-              <a:t>Linkedin</a:t>
-            </a:r>
-            <a:endParaRPr lang="en-US" sz="2400" dirty="0"/>
-          </a:p>
-          <a:p>
-            <a:r>
-              <a:rPr lang="en-US" sz="2400" dirty="0"/>
-              <a:t>QR code</a:t>
-            </a:r>
-          </a:p>
-        </p:txBody>
-      </p:sp>
-      <p:sp>
-        <p:nvSpPr>
           <p:cNvPr id="38" name="Title Placeholder 1">
             <a:extLst>
               <a:ext uri="{FF2B5EF4-FFF2-40B4-BE49-F238E27FC236}">
@@ -4841,7 +4629,7 @@
         </p:nvSpPr>
         <p:spPr bwMode="auto">
           <a:xfrm>
-            <a:off x="689640" y="11596823"/>
+            <a:off x="28803600" y="13172467"/>
             <a:ext cx="8034460" cy="5411700"/>
           </a:xfrm>
           <a:prstGeom prst="rect">
@@ -5107,7 +4895,7 @@
         </p:nvSpPr>
         <p:spPr>
           <a:xfrm>
-            <a:off x="9028906" y="18203204"/>
+            <a:off x="37142866" y="19778848"/>
             <a:ext cx="7775247" cy="4766533"/>
           </a:xfrm>
           <a:prstGeom prst="rect">
@@ -5154,7 +4942,7 @@
         </p:nvSpPr>
         <p:spPr bwMode="auto">
           <a:xfrm>
-            <a:off x="9554142" y="20094026"/>
+            <a:off x="37668102" y="21669670"/>
             <a:ext cx="6346642" cy="984886"/>
           </a:xfrm>
           <a:prstGeom prst="rect">
@@ -5400,8 +5188,8 @@
         </p:nvSpPr>
         <p:spPr bwMode="auto">
           <a:xfrm>
-            <a:off x="1296376" y="5653953"/>
-            <a:ext cx="18994672" cy="4719456"/>
+            <a:off x="1296375" y="5653953"/>
+            <a:ext cx="19695485" cy="6414742"/>
           </a:xfrm>
           <a:prstGeom prst="rect">
             <a:avLst/>
@@ -5410,6 +5198,13 @@
           <a:ln>
             <a:noFill/>
           </a:ln>
+          <a:effectLst>
+            <a:outerShdw blurRad="50800" dist="38100" dir="2700000" algn="tl" rotWithShape="0">
+              <a:prstClr val="black">
+                <a:alpha val="40000"/>
+              </a:prstClr>
+            </a:outerShdw>
+          </a:effectLst>
           <a:extLst>
             <a:ext uri="{909E8E84-426E-40DD-AFC4-6F175D3DCCD1}">
               <a14:hiddenFill xmlns:a14="http://schemas.microsoft.com/office/drawing/2010/main">
@@ -5549,209 +5344,58 @@
               </a:spcAft>
             </a:pPr>
             <a:r>
+              <a:rPr lang="en-US" altLang="en-US" sz="6000" dirty="0">
+                <a:latin typeface="Century Gothic" panose="020B0502020202020204" pitchFamily="34" charset="0"/>
+              </a:rPr>
+              <a:t>In </a:t>
+            </a:r>
+            <a:r>
               <a:rPr lang="en-US" altLang="en-US" sz="6000" b="1" dirty="0">
                 <a:latin typeface="Century Gothic" panose="020B0502020202020204" pitchFamily="34" charset="0"/>
               </a:rPr>
-              <a:t>Main Finding </a:t>
+              <a:t>FEMA P-58 </a:t>
             </a:r>
             <a:r>
               <a:rPr lang="en-US" altLang="en-US" sz="6000" dirty="0">
                 <a:latin typeface="Century Gothic" panose="020B0502020202020204" pitchFamily="34" charset="0"/>
               </a:rPr>
-              <a:t>goes in green box here; Translate into </a:t>
+              <a:t>applications, </a:t>
             </a:r>
             <a:r>
               <a:rPr lang="en-US" altLang="en-US" sz="6000" b="1" dirty="0">
                 <a:latin typeface="Century Gothic" panose="020B0502020202020204" pitchFamily="34" charset="0"/>
               </a:rPr>
-              <a:t>plain English. Emphasize </a:t>
+              <a:t>residual story drifts </a:t>
             </a:r>
             <a:r>
               <a:rPr lang="en-US" altLang="en-US" sz="6000" dirty="0">
                 <a:latin typeface="Century Gothic" panose="020B0502020202020204" pitchFamily="34" charset="0"/>
               </a:rPr>
-              <a:t>the important words with </a:t>
+              <a:t>should be properly sampled</a:t>
             </a:r>
             <a:r>
               <a:rPr lang="en-US" altLang="en-US" sz="6000" b="1" dirty="0">
                 <a:latin typeface="Century Gothic" panose="020B0502020202020204" pitchFamily="34" charset="0"/>
               </a:rPr>
-              <a:t>bolding</a:t>
+              <a:t> </a:t>
             </a:r>
             <a:r>
               <a:rPr lang="en-US" altLang="en-US" sz="6000" dirty="0">
                 <a:latin typeface="Century Gothic" panose="020B0502020202020204" pitchFamily="34" charset="0"/>
               </a:rPr>
-              <a:t>. </a:t>
-            </a:r>
-            <a:r>
-              <a:rPr lang="en-US" altLang="en-US" sz="4000" dirty="0">
+              <a:t>to avoid biased loss estimates. Current methods </a:t>
+            </a:r>
+            <a:r>
+              <a:rPr lang="en-US" altLang="en-US" sz="6000" b="1" dirty="0">
                 <a:latin typeface="Century Gothic" panose="020B0502020202020204" pitchFamily="34" charset="0"/>
               </a:rPr>
-              <a:t>[20-30 word limit; resize green box height as needed]</a:t>
-            </a:r>
-            <a:endParaRPr lang="en-US" altLang="en-US" sz="6000" dirty="0">
-              <a:latin typeface="Century Gothic" panose="020B0502020202020204" pitchFamily="34" charset="0"/>
-            </a:endParaRPr>
-          </a:p>
-        </p:txBody>
-      </p:sp>
-      <p:sp>
-        <p:nvSpPr>
-          <p:cNvPr id="54" name="Rectangle 53">
-            <a:extLst>
-              <a:ext uri="{FF2B5EF4-FFF2-40B4-BE49-F238E27FC236}">
-                <a16:creationId xmlns:a16="http://schemas.microsoft.com/office/drawing/2014/main" id="{1FD8B5F5-559C-938D-0D71-7C584F8B2ADE}"/>
-              </a:ext>
-            </a:extLst>
-          </p:cNvPr>
-          <p:cNvSpPr/>
-          <p:nvPr/>
-        </p:nvSpPr>
-        <p:spPr>
-          <a:xfrm>
-            <a:off x="21677660" y="5724317"/>
-            <a:ext cx="3319876" cy="3511772"/>
-          </a:xfrm>
-          <a:prstGeom prst="rect">
-            <a:avLst/>
-          </a:prstGeom>
-          <a:solidFill>
-            <a:schemeClr val="bg1"/>
-          </a:solidFill>
-          <a:ln w="12700">
-            <a:solidFill>
-              <a:srgbClr val="E6E6E6"/>
-            </a:solidFill>
-          </a:ln>
-        </p:spPr>
-        <p:style>
-          <a:lnRef idx="1">
-            <a:schemeClr val="accent1"/>
-          </a:lnRef>
-          <a:fillRef idx="3">
-            <a:schemeClr val="accent1"/>
-          </a:fillRef>
-          <a:effectRef idx="2">
-            <a:schemeClr val="accent1"/>
-          </a:effectRef>
-          <a:fontRef idx="minor">
-            <a:schemeClr val="lt1"/>
-          </a:fontRef>
-        </p:style>
-        <p:txBody>
-          <a:bodyPr rtlCol="0" anchor="ctr"/>
-          <a:lstStyle/>
-          <a:p>
-            <a:pPr algn="ctr"/>
-            <a:endParaRPr lang="en-US"/>
-          </a:p>
-        </p:txBody>
-      </p:sp>
-      <p:sp>
-        <p:nvSpPr>
-          <p:cNvPr id="55" name="TextBox 54">
-            <a:extLst>
-              <a:ext uri="{FF2B5EF4-FFF2-40B4-BE49-F238E27FC236}">
-                <a16:creationId xmlns:a16="http://schemas.microsoft.com/office/drawing/2014/main" id="{71ABDFF9-86D3-9B16-6968-D75C0ED92ABA}"/>
-              </a:ext>
-            </a:extLst>
-          </p:cNvPr>
-          <p:cNvSpPr txBox="1"/>
-          <p:nvPr/>
-        </p:nvSpPr>
-        <p:spPr>
-          <a:xfrm>
-            <a:off x="22007867" y="6305855"/>
-            <a:ext cx="2587513" cy="2554545"/>
-          </a:xfrm>
-          <a:prstGeom prst="rect">
-            <a:avLst/>
-          </a:prstGeom>
-          <a:noFill/>
-        </p:spPr>
-        <p:txBody>
-          <a:bodyPr wrap="square" rtlCol="0">
-            <a:spAutoFit/>
-          </a:bodyPr>
-          <a:lstStyle/>
-          <a:p>
-            <a:r>
-              <a:rPr lang="en-US" sz="3200" dirty="0"/>
-              <a:t>QR code for access to full paper </a:t>
-            </a:r>
-            <a:r>
-              <a:rPr lang="en-US" sz="3200" b="1" dirty="0"/>
-              <a:t>or</a:t>
-            </a:r>
-            <a:r>
-              <a:rPr lang="en-US" sz="3200" dirty="0"/>
-              <a:t> summary image.</a:t>
-            </a:r>
-          </a:p>
-        </p:txBody>
-      </p:sp>
-      <p:sp>
-        <p:nvSpPr>
-          <p:cNvPr id="56" name="TextBox 55">
-            <a:extLst>
-              <a:ext uri="{FF2B5EF4-FFF2-40B4-BE49-F238E27FC236}">
-                <a16:creationId xmlns:a16="http://schemas.microsoft.com/office/drawing/2014/main" id="{34CFDAFB-18AC-B015-7A45-E886BA2A8090}"/>
-              </a:ext>
-            </a:extLst>
-          </p:cNvPr>
-          <p:cNvSpPr txBox="1"/>
-          <p:nvPr/>
-        </p:nvSpPr>
-        <p:spPr>
-          <a:xfrm>
-            <a:off x="21738156" y="9411696"/>
-            <a:ext cx="3319876" cy="1384995"/>
-          </a:xfrm>
-          <a:prstGeom prst="rect">
-            <a:avLst/>
-          </a:prstGeom>
-          <a:noFill/>
-        </p:spPr>
-        <p:txBody>
-          <a:bodyPr wrap="square" rtlCol="0">
-            <a:spAutoFit/>
-          </a:bodyPr>
-          <a:lstStyle/>
-          <a:p>
-            <a:pPr algn="ctr"/>
-            <a:r>
-              <a:rPr lang="en-US" sz="2800" b="1" dirty="0">
-                <a:solidFill>
-                  <a:schemeClr val="bg1">
-                    <a:lumMod val="85000"/>
-                  </a:schemeClr>
-                </a:solidFill>
+              <a:t>fail to achieve a good fit</a:t>
+            </a:r>
+            <a:r>
+              <a:rPr lang="en-US" altLang="en-US" sz="6000" dirty="0">
                 <a:latin typeface="Century Gothic" panose="020B0502020202020204" pitchFamily="34" charset="0"/>
               </a:rPr>
-              <a:t>Scan</a:t>
-            </a:r>
-            <a:r>
-              <a:rPr lang="en-US" sz="2800" dirty="0">
-                <a:solidFill>
-                  <a:schemeClr val="bg1">
-                    <a:lumMod val="85000"/>
-                  </a:schemeClr>
-                </a:solidFill>
-                <a:latin typeface="Century Gothic" panose="020B0502020202020204" pitchFamily="34" charset="0"/>
-              </a:rPr>
-              <a:t> QR code to download </a:t>
-            </a:r>
-            <a:r>
-              <a:rPr lang="en-US" sz="2800" b="1" dirty="0">
-                <a:solidFill>
-                  <a:schemeClr val="bg1">
-                    <a:lumMod val="85000"/>
-                  </a:schemeClr>
-                </a:solidFill>
-                <a:latin typeface="Century Gothic" panose="020B0502020202020204" pitchFamily="34" charset="0"/>
-              </a:rPr>
-              <a:t>Full Paper</a:t>
+              <a:t>. We offer an approach that addresses this issue.</a:t>
             </a:r>
           </a:p>
         </p:txBody>
@@ -5772,7 +5416,7 @@
         </p:nvSpPr>
         <p:spPr bwMode="auto">
           <a:xfrm>
-            <a:off x="756948" y="18121418"/>
+            <a:off x="28870908" y="19697062"/>
             <a:ext cx="8038303" cy="6221520"/>
           </a:xfrm>
           <a:prstGeom prst="rect">
@@ -6061,8 +5705,8 @@
         </p:nvCxnSpPr>
         <p:spPr>
           <a:xfrm>
-            <a:off x="17602200" y="11596823"/>
-            <a:ext cx="0" cy="24140977"/>
+            <a:off x="45716160" y="13547677"/>
+            <a:ext cx="0" cy="23422867"/>
           </a:xfrm>
           <a:prstGeom prst="line">
             <a:avLst/>
@@ -6107,7 +5751,7 @@
         </p:nvSpPr>
         <p:spPr bwMode="auto">
           <a:xfrm>
-            <a:off x="18052505" y="27615520"/>
+            <a:off x="46166465" y="29191164"/>
             <a:ext cx="8038303" cy="4521002"/>
           </a:xfrm>
           <a:prstGeom prst="rect">
@@ -6335,7 +5979,7 @@
         </p:nvSpPr>
         <p:spPr>
           <a:xfrm>
-            <a:off x="9025665" y="28290627"/>
+            <a:off x="37139625" y="29866271"/>
             <a:ext cx="7778490" cy="4246770"/>
           </a:xfrm>
           <a:prstGeom prst="rect">
@@ -6380,7 +6024,7 @@
         </p:nvSpPr>
         <p:spPr>
           <a:xfrm>
-            <a:off x="18254503" y="21164688"/>
+            <a:off x="46368463" y="22740332"/>
             <a:ext cx="7778490" cy="4766533"/>
           </a:xfrm>
           <a:prstGeom prst="rect">
@@ -6425,7 +6069,7 @@
         </p:nvSpPr>
         <p:spPr>
           <a:xfrm>
-            <a:off x="9094146" y="23233422"/>
+            <a:off x="37208106" y="24809066"/>
             <a:ext cx="7557613" cy="523221"/>
           </a:xfrm>
           <a:prstGeom prst="rect">
@@ -6467,7 +6111,7 @@
         </p:nvSpPr>
         <p:spPr>
           <a:xfrm>
-            <a:off x="9024409" y="32776179"/>
+            <a:off x="37138369" y="34351823"/>
             <a:ext cx="7557613" cy="523221"/>
           </a:xfrm>
           <a:prstGeom prst="rect">
@@ -6511,7 +6155,7 @@
         </p:nvSpPr>
         <p:spPr bwMode="auto">
           <a:xfrm>
-            <a:off x="9831508" y="30181448"/>
+            <a:off x="37945468" y="31757092"/>
             <a:ext cx="6346642" cy="984886"/>
           </a:xfrm>
           <a:prstGeom prst="rect">
@@ -6757,7 +6401,7 @@
         </p:nvSpPr>
         <p:spPr bwMode="auto">
           <a:xfrm>
-            <a:off x="19482506" y="22848229"/>
+            <a:off x="47596466" y="24423873"/>
             <a:ext cx="6346642" cy="984886"/>
           </a:xfrm>
           <a:prstGeom prst="rect">
@@ -7001,7 +6645,7 @@
         </p:nvSpPr>
         <p:spPr>
           <a:xfrm>
-            <a:off x="18253247" y="26261230"/>
+            <a:off x="46367207" y="27836874"/>
             <a:ext cx="7557613" cy="523220"/>
           </a:xfrm>
           <a:prstGeom prst="rect">
@@ -7045,7 +6689,7 @@
         </p:nvSpPr>
         <p:spPr bwMode="auto">
           <a:xfrm>
-            <a:off x="756948" y="24342938"/>
+            <a:off x="28870908" y="25918582"/>
             <a:ext cx="16050448" cy="2681764"/>
           </a:xfrm>
           <a:prstGeom prst="rect">
@@ -7228,7 +6872,7 @@
         </p:nvSpPr>
         <p:spPr bwMode="auto">
           <a:xfrm>
-            <a:off x="18179331" y="16356266"/>
+            <a:off x="46293291" y="17931910"/>
             <a:ext cx="8038303" cy="4077099"/>
           </a:xfrm>
           <a:prstGeom prst="rect">
@@ -7411,7 +7055,7 @@
         </p:nvSpPr>
         <p:spPr bwMode="auto">
           <a:xfrm>
-            <a:off x="685798" y="28148862"/>
+            <a:off x="28799758" y="29724506"/>
             <a:ext cx="8038303" cy="4330698"/>
           </a:xfrm>
           <a:prstGeom prst="rect">
@@ -7671,7 +7315,7 @@
         </p:nvCxnSpPr>
         <p:spPr>
           <a:xfrm flipH="1">
-            <a:off x="762002" y="17526000"/>
+            <a:off x="28875962" y="19101644"/>
             <a:ext cx="16104438" cy="0"/>
           </a:xfrm>
           <a:prstGeom prst="line">
@@ -7717,7 +7361,7 @@
         </p:nvSpPr>
         <p:spPr bwMode="auto">
           <a:xfrm>
-            <a:off x="9028906" y="11596823"/>
+            <a:off x="37142866" y="13172467"/>
             <a:ext cx="7778490" cy="5411700"/>
           </a:xfrm>
           <a:prstGeom prst="rect">
@@ -7900,7 +7544,7 @@
         </p:nvSpPr>
         <p:spPr bwMode="auto">
           <a:xfrm>
-            <a:off x="18184385" y="11596823"/>
+            <a:off x="46298345" y="13172467"/>
             <a:ext cx="8038303" cy="5348230"/>
           </a:xfrm>
           <a:prstGeom prst="rect">
@@ -8235,7 +7879,7 @@
         </p:nvCxnSpPr>
         <p:spPr>
           <a:xfrm flipH="1">
-            <a:off x="18254503" y="27355800"/>
+            <a:off x="46368463" y="28931444"/>
             <a:ext cx="8175432" cy="0"/>
           </a:xfrm>
           <a:prstGeom prst="line">
@@ -8281,7 +7925,7 @@
         </p:nvCxnSpPr>
         <p:spPr>
           <a:xfrm flipH="1">
-            <a:off x="758952" y="27508022"/>
+            <a:off x="28872912" y="29083666"/>
             <a:ext cx="16104438" cy="0"/>
           </a:xfrm>
           <a:prstGeom prst="line">
@@ -8327,7 +7971,7 @@
         </p:nvSpPr>
         <p:spPr bwMode="auto">
           <a:xfrm>
-            <a:off x="772245" y="33832800"/>
+            <a:off x="28886205" y="35065544"/>
             <a:ext cx="16462075" cy="2370576"/>
           </a:xfrm>
           <a:prstGeom prst="rect">
@@ -8544,248 +8188,6 @@
                 <a:ea typeface="Palatino" pitchFamily="2" charset="77"/>
               </a:rPr>
               <a:t>This could be the fourth reference</a:t>
-            </a:r>
-            <a:endParaRPr lang="en-US" altLang="en-US" sz="1200" i="1" dirty="0">
-              <a:solidFill>
-                <a:schemeClr val="tx1">
-                  <a:lumMod val="75000"/>
-                  <a:lumOff val="25000"/>
-                </a:schemeClr>
-              </a:solidFill>
-              <a:latin typeface="Century Gothic" panose="020B0502020202020204" pitchFamily="34" charset="0"/>
-            </a:endParaRPr>
-          </a:p>
-        </p:txBody>
-      </p:sp>
-      <p:cxnSp>
-        <p:nvCxnSpPr>
-          <p:cNvPr id="14" name="Straight Connector 13">
-            <a:extLst>
-              <a:ext uri="{FF2B5EF4-FFF2-40B4-BE49-F238E27FC236}">
-                <a16:creationId xmlns:a16="http://schemas.microsoft.com/office/drawing/2014/main" id="{F5EE2333-CAA6-4A2E-90B9-F86CD603A314}"/>
-              </a:ext>
-            </a:extLst>
-          </p:cNvPr>
-          <p:cNvCxnSpPr>
-            <a:cxnSpLocks/>
-          </p:cNvCxnSpPr>
-          <p:nvPr/>
-        </p:nvCxnSpPr>
-        <p:spPr>
-          <a:xfrm flipH="1">
-            <a:off x="18254503" y="33566100"/>
-            <a:ext cx="8175432" cy="0"/>
-          </a:xfrm>
-          <a:prstGeom prst="line">
-            <a:avLst/>
-          </a:prstGeom>
-          <a:solidFill>
-            <a:srgbClr val="4F5359"/>
-          </a:solidFill>
-          <a:ln>
-            <a:solidFill>
-              <a:srgbClr val="4F5359"/>
-            </a:solidFill>
-          </a:ln>
-        </p:spPr>
-        <p:style>
-          <a:lnRef idx="1">
-            <a:schemeClr val="accent1"/>
-          </a:lnRef>
-          <a:fillRef idx="3">
-            <a:schemeClr val="accent1"/>
-          </a:fillRef>
-          <a:effectRef idx="2">
-            <a:schemeClr val="accent1"/>
-          </a:effectRef>
-          <a:fontRef idx="minor">
-            <a:schemeClr val="lt1"/>
-          </a:fontRef>
-        </p:style>
-      </p:cxnSp>
-      <p:sp>
-        <p:nvSpPr>
-          <p:cNvPr id="15" name="Title Placeholder 1">
-            <a:extLst>
-              <a:ext uri="{FF2B5EF4-FFF2-40B4-BE49-F238E27FC236}">
-                <a16:creationId xmlns:a16="http://schemas.microsoft.com/office/drawing/2014/main" id="{EFED0DAD-AC7B-66C7-F73D-135D2AB59A6E}"/>
-              </a:ext>
-            </a:extLst>
-          </p:cNvPr>
-          <p:cNvSpPr txBox="1">
-            <a:spLocks/>
-          </p:cNvSpPr>
-          <p:nvPr/>
-        </p:nvSpPr>
-        <p:spPr bwMode="auto">
-          <a:xfrm>
-            <a:off x="18052505" y="33832800"/>
-            <a:ext cx="8693694" cy="2485133"/>
-          </a:xfrm>
-          <a:prstGeom prst="rect">
-            <a:avLst/>
-          </a:prstGeom>
-          <a:noFill/>
-          <a:ln>
-            <a:noFill/>
-          </a:ln>
-          <a:extLst>
-            <a:ext uri="{909E8E84-426E-40DD-AFC4-6F175D3DCCD1}">
-              <a14:hiddenFill xmlns:a14="http://schemas.microsoft.com/office/drawing/2010/main">
-                <a:solidFill>
-                  <a:srgbClr val="FFFFFF"/>
-                </a:solidFill>
-              </a14:hiddenFill>
-            </a:ext>
-            <a:ext uri="{91240B29-F687-4F45-9708-019B960494DF}">
-              <a14:hiddenLine xmlns:a14="http://schemas.microsoft.com/office/drawing/2010/main" w="9525">
-                <a:solidFill>
-                  <a:srgbClr val="000000"/>
-                </a:solidFill>
-                <a:miter lim="800000"/>
-                <a:headEnd/>
-                <a:tailEnd/>
-              </a14:hiddenLine>
-            </a:ext>
-          </a:extLst>
-        </p:spPr>
-        <p:txBody>
-          <a:bodyPr lIns="365760" tIns="182880" rIns="365760" bIns="182880"/>
-          <a:lstStyle>
-            <a:lvl1pPr eaLnBrk="0" hangingPunct="0">
-              <a:defRPr sz="7200">
-                <a:solidFill>
-                  <a:schemeClr val="tx1"/>
-                </a:solidFill>
-                <a:latin typeface="Arial" charset="0"/>
-                <a:ea typeface="ＭＳ Ｐゴシック" charset="-128"/>
-              </a:defRPr>
-            </a:lvl1pPr>
-            <a:lvl2pPr marL="37931725" indent="-37474525" eaLnBrk="0" hangingPunct="0">
-              <a:defRPr sz="7200">
-                <a:solidFill>
-                  <a:schemeClr val="tx1"/>
-                </a:solidFill>
-                <a:latin typeface="Arial" charset="0"/>
-                <a:ea typeface="ＭＳ Ｐゴシック" charset="-128"/>
-              </a:defRPr>
-            </a:lvl2pPr>
-            <a:lvl3pPr eaLnBrk="0" hangingPunct="0">
-              <a:defRPr sz="7200">
-                <a:solidFill>
-                  <a:schemeClr val="tx1"/>
-                </a:solidFill>
-                <a:latin typeface="Arial" charset="0"/>
-                <a:ea typeface="ＭＳ Ｐゴシック" charset="-128"/>
-              </a:defRPr>
-            </a:lvl3pPr>
-            <a:lvl4pPr eaLnBrk="0" hangingPunct="0">
-              <a:defRPr sz="7200">
-                <a:solidFill>
-                  <a:schemeClr val="tx1"/>
-                </a:solidFill>
-                <a:latin typeface="Arial" charset="0"/>
-                <a:ea typeface="ＭＳ Ｐゴシック" charset="-128"/>
-              </a:defRPr>
-            </a:lvl4pPr>
-            <a:lvl5pPr eaLnBrk="0" hangingPunct="0">
-              <a:defRPr sz="7200">
-                <a:solidFill>
-                  <a:schemeClr val="tx1"/>
-                </a:solidFill>
-                <a:latin typeface="Arial" charset="0"/>
-                <a:ea typeface="ＭＳ Ｐゴシック" charset="-128"/>
-              </a:defRPr>
-            </a:lvl5pPr>
-            <a:lvl6pPr marL="457200" eaLnBrk="0" fontAlgn="base" hangingPunct="0">
-              <a:spcBef>
-                <a:spcPct val="0"/>
-              </a:spcBef>
-              <a:spcAft>
-                <a:spcPct val="0"/>
-              </a:spcAft>
-              <a:defRPr sz="7200">
-                <a:solidFill>
-                  <a:schemeClr val="tx1"/>
-                </a:solidFill>
-                <a:latin typeface="Arial" charset="0"/>
-                <a:ea typeface="ＭＳ Ｐゴシック" charset="-128"/>
-              </a:defRPr>
-            </a:lvl6pPr>
-            <a:lvl7pPr marL="914400" eaLnBrk="0" fontAlgn="base" hangingPunct="0">
-              <a:spcBef>
-                <a:spcPct val="0"/>
-              </a:spcBef>
-              <a:spcAft>
-                <a:spcPct val="0"/>
-              </a:spcAft>
-              <a:defRPr sz="7200">
-                <a:solidFill>
-                  <a:schemeClr val="tx1"/>
-                </a:solidFill>
-                <a:latin typeface="Arial" charset="0"/>
-                <a:ea typeface="ＭＳ Ｐゴシック" charset="-128"/>
-              </a:defRPr>
-            </a:lvl7pPr>
-            <a:lvl8pPr marL="1371600" eaLnBrk="0" fontAlgn="base" hangingPunct="0">
-              <a:spcBef>
-                <a:spcPct val="0"/>
-              </a:spcBef>
-              <a:spcAft>
-                <a:spcPct val="0"/>
-              </a:spcAft>
-              <a:defRPr sz="7200">
-                <a:solidFill>
-                  <a:schemeClr val="tx1"/>
-                </a:solidFill>
-                <a:latin typeface="Arial" charset="0"/>
-                <a:ea typeface="ＭＳ Ｐゴシック" charset="-128"/>
-              </a:defRPr>
-            </a:lvl8pPr>
-            <a:lvl9pPr marL="1828800" eaLnBrk="0" fontAlgn="base" hangingPunct="0">
-              <a:spcBef>
-                <a:spcPct val="0"/>
-              </a:spcBef>
-              <a:spcAft>
-                <a:spcPct val="0"/>
-              </a:spcAft>
-              <a:defRPr sz="7200">
-                <a:solidFill>
-                  <a:schemeClr val="tx1"/>
-                </a:solidFill>
-                <a:latin typeface="Arial" charset="0"/>
-                <a:ea typeface="ＭＳ Ｐゴシック" charset="-128"/>
-              </a:defRPr>
-            </a:lvl9pPr>
-          </a:lstStyle>
-          <a:p>
-            <a:pPr eaLnBrk="1" hangingPunct="1">
-              <a:lnSpc>
-                <a:spcPts val="5280"/>
-              </a:lnSpc>
-              <a:spcBef>
-                <a:spcPts val="0"/>
-              </a:spcBef>
-            </a:pPr>
-            <a:r>
-              <a:rPr lang="en-US" altLang="en-US" sz="2800" b="1" dirty="0">
-                <a:latin typeface="Century Gothic" panose="020B0502020202020204" pitchFamily="34" charset="0"/>
-              </a:rPr>
-              <a:t>Acknowledgements (if needed)</a:t>
-            </a:r>
-          </a:p>
-          <a:p>
-            <a:pPr eaLnBrk="1" hangingPunct="1">
-              <a:spcBef>
-                <a:spcPts val="0"/>
-              </a:spcBef>
-            </a:pPr>
-            <a:r>
-              <a:rPr lang="en-US" sz="2000" dirty="0">
-                <a:latin typeface="Palatino" pitchFamily="2" charset="77"/>
-                <a:ea typeface="Palatino" pitchFamily="2" charset="77"/>
-              </a:rPr>
-              <a:t>This material is based upon work supported by the National Science Foundation under Grant No. (NSF grant number). Any opinions, findings, and conclusions or recommendations expressed in this material are those of the author(s) and do not necessarily reflect the views of the National Science Foundation</a:t>
             </a:r>
             <a:endParaRPr lang="en-US" altLang="en-US" sz="1200" i="1" dirty="0">
               <a:solidFill>
@@ -8815,7 +8217,7 @@
         </p:nvCxnSpPr>
         <p:spPr>
           <a:xfrm flipH="1">
-            <a:off x="758952" y="33566100"/>
+            <a:off x="28872912" y="35141744"/>
             <a:ext cx="16104438" cy="0"/>
           </a:xfrm>
           <a:prstGeom prst="line">
@@ -8845,6 +8247,717 @@
           </a:fontRef>
         </p:style>
       </p:cxnSp>
+      <p:grpSp>
+        <p:nvGrpSpPr>
+          <p:cNvPr id="9" name="Group 8">
+            <a:extLst>
+              <a:ext uri="{FF2B5EF4-FFF2-40B4-BE49-F238E27FC236}">
+                <a16:creationId xmlns:a16="http://schemas.microsoft.com/office/drawing/2014/main" id="{6EC46457-CDA9-4E68-6B1F-60A386C5A3D0}"/>
+              </a:ext>
+            </a:extLst>
+          </p:cNvPr>
+          <p:cNvGrpSpPr/>
+          <p:nvPr/>
+        </p:nvGrpSpPr>
+        <p:grpSpPr>
+          <a:xfrm>
+            <a:off x="17551542" y="1935854"/>
+            <a:ext cx="1719072" cy="1722326"/>
+            <a:chOff x="17551542" y="1935854"/>
+            <a:chExt cx="1719072" cy="1722326"/>
+          </a:xfrm>
+        </p:grpSpPr>
+        <p:sp>
+          <p:nvSpPr>
+            <p:cNvPr id="35" name="Rectangle 34">
+              <a:extLst>
+                <a:ext uri="{FF2B5EF4-FFF2-40B4-BE49-F238E27FC236}">
+                  <a16:creationId xmlns:a16="http://schemas.microsoft.com/office/drawing/2014/main" id="{F8DE1282-5550-A866-36F1-8FC437E99F91}"/>
+                </a:ext>
+              </a:extLst>
+            </p:cNvPr>
+            <p:cNvSpPr/>
+            <p:nvPr/>
+          </p:nvSpPr>
+          <p:spPr>
+            <a:xfrm>
+              <a:off x="17551542" y="1935854"/>
+              <a:ext cx="1719072" cy="1722326"/>
+            </a:xfrm>
+            <a:prstGeom prst="rect">
+              <a:avLst/>
+            </a:prstGeom>
+            <a:solidFill>
+              <a:schemeClr val="bg1"/>
+            </a:solidFill>
+            <a:ln w="12700">
+              <a:solidFill>
+                <a:srgbClr val="E6E6E6"/>
+              </a:solidFill>
+            </a:ln>
+          </p:spPr>
+          <p:style>
+            <a:lnRef idx="1">
+              <a:schemeClr val="accent1"/>
+            </a:lnRef>
+            <a:fillRef idx="3">
+              <a:schemeClr val="accent1"/>
+            </a:fillRef>
+            <a:effectRef idx="2">
+              <a:schemeClr val="accent1"/>
+            </a:effectRef>
+            <a:fontRef idx="minor">
+              <a:schemeClr val="lt1"/>
+            </a:fontRef>
+          </p:style>
+          <p:txBody>
+            <a:bodyPr rtlCol="0" anchor="ctr"/>
+            <a:lstStyle/>
+            <a:p>
+              <a:pPr algn="ctr"/>
+              <a:endParaRPr lang="en-US"/>
+            </a:p>
+          </p:txBody>
+        </p:sp>
+        <p:pic>
+          <p:nvPicPr>
+            <p:cNvPr id="6" name="Graphic 5">
+              <a:extLst>
+                <a:ext uri="{FF2B5EF4-FFF2-40B4-BE49-F238E27FC236}">
+                  <a16:creationId xmlns:a16="http://schemas.microsoft.com/office/drawing/2014/main" id="{4B3008A0-9BA5-C713-D328-5153274424A9}"/>
+                </a:ext>
+              </a:extLst>
+            </p:cNvPr>
+            <p:cNvPicPr>
+              <a:picLocks noChangeAspect="1"/>
+            </p:cNvPicPr>
+            <p:nvPr/>
+          </p:nvPicPr>
+          <p:blipFill>
+            <a:blip r:embed="rId5">
+              <a:extLst>
+                <a:ext uri="{96DAC541-7B7A-43D3-8B79-37D633B846F1}">
+                  <asvg:svgBlip xmlns:asvg="http://schemas.microsoft.com/office/drawing/2016/SVG/main" r:embed="rId6"/>
+                </a:ext>
+              </a:extLst>
+            </a:blip>
+            <a:srcRect/>
+            <a:stretch/>
+          </p:blipFill>
+          <p:spPr>
+            <a:xfrm>
+              <a:off x="17551542" y="1939108"/>
+              <a:ext cx="1719072" cy="1719072"/>
+            </a:xfrm>
+            <a:prstGeom prst="rect">
+              <a:avLst/>
+            </a:prstGeom>
+          </p:spPr>
+        </p:pic>
+      </p:grpSp>
+      <p:grpSp>
+        <p:nvGrpSpPr>
+          <p:cNvPr id="24" name="Group 23">
+            <a:extLst>
+              <a:ext uri="{FF2B5EF4-FFF2-40B4-BE49-F238E27FC236}">
+                <a16:creationId xmlns:a16="http://schemas.microsoft.com/office/drawing/2014/main" id="{03C97DC3-40B3-54E2-BA66-A61759C57DF0}"/>
+              </a:ext>
+            </a:extLst>
+          </p:cNvPr>
+          <p:cNvGrpSpPr/>
+          <p:nvPr/>
+        </p:nvGrpSpPr>
+        <p:grpSpPr>
+          <a:xfrm>
+            <a:off x="13708217" y="865700"/>
+            <a:ext cx="2834640" cy="2835425"/>
+            <a:chOff x="13708217" y="865700"/>
+            <a:chExt cx="2834640" cy="2835425"/>
+          </a:xfrm>
+        </p:grpSpPr>
+        <p:sp>
+          <p:nvSpPr>
+            <p:cNvPr id="7" name="Rectangle 6">
+              <a:extLst>
+                <a:ext uri="{FF2B5EF4-FFF2-40B4-BE49-F238E27FC236}">
+                  <a16:creationId xmlns:a16="http://schemas.microsoft.com/office/drawing/2014/main" id="{21F0AC79-4BEA-A8F3-07D7-443AE8153BAC}"/>
+                </a:ext>
+              </a:extLst>
+            </p:cNvPr>
+            <p:cNvSpPr/>
+            <p:nvPr/>
+          </p:nvSpPr>
+          <p:spPr>
+            <a:xfrm>
+              <a:off x="13708217" y="865700"/>
+              <a:ext cx="2834640" cy="2835425"/>
+            </a:xfrm>
+            <a:prstGeom prst="rect">
+              <a:avLst/>
+            </a:prstGeom>
+            <a:solidFill>
+              <a:schemeClr val="bg1"/>
+            </a:solidFill>
+            <a:ln w="12700">
+              <a:solidFill>
+                <a:srgbClr val="E6E6E6"/>
+              </a:solidFill>
+            </a:ln>
+          </p:spPr>
+          <p:style>
+            <a:lnRef idx="1">
+              <a:schemeClr val="accent1"/>
+            </a:lnRef>
+            <a:fillRef idx="3">
+              <a:schemeClr val="accent1"/>
+            </a:fillRef>
+            <a:effectRef idx="2">
+              <a:schemeClr val="accent1"/>
+            </a:effectRef>
+            <a:fontRef idx="minor">
+              <a:schemeClr val="lt1"/>
+            </a:fontRef>
+          </p:style>
+          <p:txBody>
+            <a:bodyPr rtlCol="0" anchor="ctr"/>
+            <a:lstStyle/>
+            <a:p>
+              <a:pPr algn="ctr"/>
+              <a:endParaRPr lang="en-US"/>
+            </a:p>
+          </p:txBody>
+        </p:sp>
+        <p:pic>
+          <p:nvPicPr>
+            <p:cNvPr id="23" name="Picture 22" descr="A person with a mustache&#10;&#10;Description automatically generated">
+              <a:extLst>
+                <a:ext uri="{FF2B5EF4-FFF2-40B4-BE49-F238E27FC236}">
+                  <a16:creationId xmlns:a16="http://schemas.microsoft.com/office/drawing/2014/main" id="{F117D28C-3C54-77C2-ED58-1AF99310CC90}"/>
+                </a:ext>
+              </a:extLst>
+            </p:cNvPr>
+            <p:cNvPicPr>
+              <a:picLocks/>
+            </p:cNvPicPr>
+            <p:nvPr/>
+          </p:nvPicPr>
+          <p:blipFill rotWithShape="1">
+            <a:blip r:embed="rId7"/>
+            <a:srcRect l="29275" t="7378" r="32153" b="31597"/>
+            <a:stretch/>
+          </p:blipFill>
+          <p:spPr>
+            <a:xfrm>
+              <a:off x="13753937" y="914400"/>
+              <a:ext cx="2743200" cy="2743200"/>
+            </a:xfrm>
+            <a:prstGeom prst="rect">
+              <a:avLst/>
+            </a:prstGeom>
+          </p:spPr>
+        </p:pic>
+      </p:grpSp>
+      <p:grpSp>
+        <p:nvGrpSpPr>
+          <p:cNvPr id="13850" name="Group 13849">
+            <a:extLst>
+              <a:ext uri="{FF2B5EF4-FFF2-40B4-BE49-F238E27FC236}">
+                <a16:creationId xmlns:a16="http://schemas.microsoft.com/office/drawing/2014/main" id="{A69350F2-7ACC-BA3E-56C9-4FBD6EBB0346}"/>
+              </a:ext>
+            </a:extLst>
+          </p:cNvPr>
+          <p:cNvGrpSpPr/>
+          <p:nvPr/>
+        </p:nvGrpSpPr>
+        <p:grpSpPr>
+          <a:xfrm>
+            <a:off x="22124919" y="7540752"/>
+            <a:ext cx="3355848" cy="3355848"/>
+            <a:chOff x="22124919" y="7383527"/>
+            <a:chExt cx="3355848" cy="3355848"/>
+          </a:xfrm>
+          <a:effectLst>
+            <a:outerShdw blurRad="50800" dist="38100" dir="2700000" algn="tl" rotWithShape="0">
+              <a:prstClr val="black">
+                <a:alpha val="40000"/>
+              </a:prstClr>
+            </a:outerShdw>
+          </a:effectLst>
+        </p:grpSpPr>
+        <p:sp>
+          <p:nvSpPr>
+            <p:cNvPr id="30" name="Rectangle: Rounded Corners 29">
+              <a:extLst>
+                <a:ext uri="{FF2B5EF4-FFF2-40B4-BE49-F238E27FC236}">
+                  <a16:creationId xmlns:a16="http://schemas.microsoft.com/office/drawing/2014/main" id="{3BB15F45-24AB-346C-ED9C-6CBE4C469DFC}"/>
+                </a:ext>
+              </a:extLst>
+            </p:cNvPr>
+            <p:cNvSpPr/>
+            <p:nvPr/>
+          </p:nvSpPr>
+          <p:spPr>
+            <a:xfrm>
+              <a:off x="22124919" y="7383527"/>
+              <a:ext cx="3355848" cy="3355848"/>
+            </a:xfrm>
+            <a:prstGeom prst="roundRect">
+              <a:avLst/>
+            </a:prstGeom>
+            <a:solidFill>
+              <a:schemeClr val="bg1"/>
+            </a:solidFill>
+            <a:ln>
+              <a:noFill/>
+            </a:ln>
+          </p:spPr>
+          <p:style>
+            <a:lnRef idx="1">
+              <a:schemeClr val="accent1"/>
+            </a:lnRef>
+            <a:fillRef idx="3">
+              <a:schemeClr val="accent1"/>
+            </a:fillRef>
+            <a:effectRef idx="2">
+              <a:schemeClr val="accent1"/>
+            </a:effectRef>
+            <a:fontRef idx="minor">
+              <a:schemeClr val="lt1"/>
+            </a:fontRef>
+          </p:style>
+          <p:txBody>
+            <a:bodyPr rtlCol="0" anchor="ctr"/>
+            <a:lstStyle/>
+            <a:p>
+              <a:pPr algn="ctr"/>
+              <a:endParaRPr lang="en-US">
+                <a:solidFill>
+                  <a:schemeClr val="bg1"/>
+                </a:solidFill>
+              </a:endParaRPr>
+            </a:p>
+          </p:txBody>
+        </p:sp>
+        <p:pic>
+          <p:nvPicPr>
+            <p:cNvPr id="4" name="Graphic 3">
+              <a:extLst>
+                <a:ext uri="{FF2B5EF4-FFF2-40B4-BE49-F238E27FC236}">
+                  <a16:creationId xmlns:a16="http://schemas.microsoft.com/office/drawing/2014/main" id="{0F60457E-9796-14BB-B36D-721BCEE0119A}"/>
+                </a:ext>
+              </a:extLst>
+            </p:cNvPr>
+            <p:cNvPicPr>
+              <a:picLocks noChangeAspect="1"/>
+            </p:cNvPicPr>
+            <p:nvPr/>
+          </p:nvPicPr>
+          <p:blipFill>
+            <a:blip r:embed="rId8">
+              <a:extLst>
+                <a:ext uri="{96DAC541-7B7A-43D3-8B79-37D633B846F1}">
+                  <asvg:svgBlip xmlns:asvg="http://schemas.microsoft.com/office/drawing/2016/SVG/main" r:embed="rId9"/>
+                </a:ext>
+              </a:extLst>
+            </a:blip>
+            <a:stretch>
+              <a:fillRect/>
+            </a:stretch>
+          </p:blipFill>
+          <p:spPr>
+            <a:xfrm>
+              <a:off x="22124919" y="7383527"/>
+              <a:ext cx="3355848" cy="3355848"/>
+            </a:xfrm>
+            <a:prstGeom prst="rect">
+              <a:avLst/>
+            </a:prstGeom>
+          </p:spPr>
+        </p:pic>
+      </p:grpSp>
+      <p:pic>
+        <p:nvPicPr>
+          <p:cNvPr id="26" name="Graphic 25">
+            <a:extLst>
+              <a:ext uri="{FF2B5EF4-FFF2-40B4-BE49-F238E27FC236}">
+                <a16:creationId xmlns:a16="http://schemas.microsoft.com/office/drawing/2014/main" id="{351E417B-4C74-FF07-04EB-8230414F2CD0}"/>
+              </a:ext>
+            </a:extLst>
+          </p:cNvPr>
+          <p:cNvPicPr>
+            <a:picLocks noChangeAspect="1"/>
+          </p:cNvPicPr>
+          <p:nvPr/>
+        </p:nvPicPr>
+        <p:blipFill>
+          <a:blip r:embed="rId10"/>
+          <a:srcRect/>
+          <a:stretch/>
+        </p:blipFill>
+        <p:spPr>
+          <a:xfrm>
+            <a:off x="18090762" y="1192624"/>
+            <a:ext cx="640632" cy="544788"/>
+          </a:xfrm>
+          <a:prstGeom prst="rect">
+            <a:avLst/>
+          </a:prstGeom>
+        </p:spPr>
+      </p:pic>
+      <p:sp>
+        <p:nvSpPr>
+          <p:cNvPr id="27" name="TextBox 26">
+            <a:extLst>
+              <a:ext uri="{FF2B5EF4-FFF2-40B4-BE49-F238E27FC236}">
+                <a16:creationId xmlns:a16="http://schemas.microsoft.com/office/drawing/2014/main" id="{EAD9E905-C16C-E34F-ABE5-5FFEE258DA06}"/>
+              </a:ext>
+            </a:extLst>
+          </p:cNvPr>
+          <p:cNvSpPr txBox="1"/>
+          <p:nvPr/>
+        </p:nvSpPr>
+        <p:spPr>
+          <a:xfrm>
+            <a:off x="22097737" y="11179314"/>
+            <a:ext cx="3429263" cy="707886"/>
+          </a:xfrm>
+          <a:prstGeom prst="rect">
+            <a:avLst/>
+          </a:prstGeom>
+          <a:noFill/>
+          <a:ln>
+            <a:noFill/>
+          </a:ln>
+        </p:spPr>
+        <p:txBody>
+          <a:bodyPr wrap="square" rtlCol="0">
+            <a:spAutoFit/>
+          </a:bodyPr>
+          <a:lstStyle/>
+          <a:p>
+            <a:pPr algn="ctr"/>
+            <a:r>
+              <a:rPr lang="en-US" sz="4000" b="1" dirty="0">
+                <a:solidFill>
+                  <a:srgbClr val="40928A"/>
+                </a:solidFill>
+                <a:latin typeface="+mj-lt"/>
+              </a:rPr>
+              <a:t>Scan me!</a:t>
+            </a:r>
+          </a:p>
+        </p:txBody>
+      </p:sp>
+      <p:pic>
+        <p:nvPicPr>
+          <p:cNvPr id="13849" name="Graphic 13848">
+            <a:extLst>
+              <a:ext uri="{FF2B5EF4-FFF2-40B4-BE49-F238E27FC236}">
+                <a16:creationId xmlns:a16="http://schemas.microsoft.com/office/drawing/2014/main" id="{A3551B63-0762-C09B-2282-CEB6743A6DCA}"/>
+              </a:ext>
+            </a:extLst>
+          </p:cNvPr>
+          <p:cNvPicPr>
+            <a:picLocks noChangeAspect="1"/>
+          </p:cNvPicPr>
+          <p:nvPr/>
+        </p:nvPicPr>
+        <p:blipFill>
+          <a:blip r:embed="rId11">
+            <a:extLst>
+              <a:ext uri="{96DAC541-7B7A-43D3-8B79-37D633B846F1}">
+                <asvg:svgBlip xmlns:asvg="http://schemas.microsoft.com/office/drawing/2016/SVG/main" r:embed="rId12"/>
+              </a:ext>
+            </a:extLst>
+          </a:blip>
+          <a:stretch>
+            <a:fillRect/>
+          </a:stretch>
+        </p:blipFill>
+        <p:spPr>
+          <a:xfrm>
+            <a:off x="23164800" y="5715000"/>
+            <a:ext cx="1295664" cy="1269222"/>
+          </a:xfrm>
+          <a:prstGeom prst="rect">
+            <a:avLst/>
+          </a:prstGeom>
+          <a:effectLst>
+            <a:outerShdw blurRad="50800" dist="38100" dir="2700000" algn="tl" rotWithShape="0">
+              <a:prstClr val="black">
+                <a:alpha val="40000"/>
+              </a:prstClr>
+            </a:outerShdw>
+          </a:effectLst>
+        </p:spPr>
+      </p:pic>
+      <p:sp>
+        <p:nvSpPr>
+          <p:cNvPr id="13851" name="Title Placeholder 1">
+            <a:extLst>
+              <a:ext uri="{FF2B5EF4-FFF2-40B4-BE49-F238E27FC236}">
+                <a16:creationId xmlns:a16="http://schemas.microsoft.com/office/drawing/2014/main" id="{46D3D721-6FA3-11BF-5EB5-00FC21004EA6}"/>
+              </a:ext>
+            </a:extLst>
+          </p:cNvPr>
+          <p:cNvSpPr txBox="1">
+            <a:spLocks/>
+          </p:cNvSpPr>
+          <p:nvPr/>
+        </p:nvSpPr>
+        <p:spPr bwMode="auto">
+          <a:xfrm>
+            <a:off x="558799" y="13172467"/>
+            <a:ext cx="26111199" cy="5411700"/>
+          </a:xfrm>
+          <a:prstGeom prst="rect">
+            <a:avLst/>
+          </a:prstGeom>
+          <a:noFill/>
+          <a:ln>
+            <a:noFill/>
+          </a:ln>
+          <a:extLst>
+            <a:ext uri="{909E8E84-426E-40DD-AFC4-6F175D3DCCD1}">
+              <a14:hiddenFill xmlns:a14="http://schemas.microsoft.com/office/drawing/2010/main">
+                <a:solidFill>
+                  <a:srgbClr val="FFFFFF"/>
+                </a:solidFill>
+              </a14:hiddenFill>
+            </a:ext>
+            <a:ext uri="{91240B29-F687-4F45-9708-019B960494DF}">
+              <a14:hiddenLine xmlns:a14="http://schemas.microsoft.com/office/drawing/2010/main" w="9525">
+                <a:solidFill>
+                  <a:srgbClr val="000000"/>
+                </a:solidFill>
+                <a:miter lim="800000"/>
+                <a:headEnd/>
+                <a:tailEnd/>
+              </a14:hiddenLine>
+            </a:ext>
+          </a:extLst>
+        </p:spPr>
+        <p:txBody>
+          <a:bodyPr lIns="365760" tIns="182880" rIns="365760" bIns="182880"/>
+          <a:lstStyle>
+            <a:lvl1pPr eaLnBrk="0" hangingPunct="0">
+              <a:defRPr sz="7200">
+                <a:solidFill>
+                  <a:schemeClr val="tx1"/>
+                </a:solidFill>
+                <a:latin typeface="Arial" charset="0"/>
+                <a:ea typeface="ＭＳ Ｐゴシック" charset="-128"/>
+              </a:defRPr>
+            </a:lvl1pPr>
+            <a:lvl2pPr marL="37931725" indent="-37474525" eaLnBrk="0" hangingPunct="0">
+              <a:defRPr sz="7200">
+                <a:solidFill>
+                  <a:schemeClr val="tx1"/>
+                </a:solidFill>
+                <a:latin typeface="Arial" charset="0"/>
+                <a:ea typeface="ＭＳ Ｐゴシック" charset="-128"/>
+              </a:defRPr>
+            </a:lvl2pPr>
+            <a:lvl3pPr eaLnBrk="0" hangingPunct="0">
+              <a:defRPr sz="7200">
+                <a:solidFill>
+                  <a:schemeClr val="tx1"/>
+                </a:solidFill>
+                <a:latin typeface="Arial" charset="0"/>
+                <a:ea typeface="ＭＳ Ｐゴシック" charset="-128"/>
+              </a:defRPr>
+            </a:lvl3pPr>
+            <a:lvl4pPr eaLnBrk="0" hangingPunct="0">
+              <a:defRPr sz="7200">
+                <a:solidFill>
+                  <a:schemeClr val="tx1"/>
+                </a:solidFill>
+                <a:latin typeface="Arial" charset="0"/>
+                <a:ea typeface="ＭＳ Ｐゴシック" charset="-128"/>
+              </a:defRPr>
+            </a:lvl4pPr>
+            <a:lvl5pPr eaLnBrk="0" hangingPunct="0">
+              <a:defRPr sz="7200">
+                <a:solidFill>
+                  <a:schemeClr val="tx1"/>
+                </a:solidFill>
+                <a:latin typeface="Arial" charset="0"/>
+                <a:ea typeface="ＭＳ Ｐゴシック" charset="-128"/>
+              </a:defRPr>
+            </a:lvl5pPr>
+            <a:lvl6pPr marL="457200" eaLnBrk="0" fontAlgn="base" hangingPunct="0">
+              <a:spcBef>
+                <a:spcPct val="0"/>
+              </a:spcBef>
+              <a:spcAft>
+                <a:spcPct val="0"/>
+              </a:spcAft>
+              <a:defRPr sz="7200">
+                <a:solidFill>
+                  <a:schemeClr val="tx1"/>
+                </a:solidFill>
+                <a:latin typeface="Arial" charset="0"/>
+                <a:ea typeface="ＭＳ Ｐゴシック" charset="-128"/>
+              </a:defRPr>
+            </a:lvl6pPr>
+            <a:lvl7pPr marL="914400" eaLnBrk="0" fontAlgn="base" hangingPunct="0">
+              <a:spcBef>
+                <a:spcPct val="0"/>
+              </a:spcBef>
+              <a:spcAft>
+                <a:spcPct val="0"/>
+              </a:spcAft>
+              <a:defRPr sz="7200">
+                <a:solidFill>
+                  <a:schemeClr val="tx1"/>
+                </a:solidFill>
+                <a:latin typeface="Arial" charset="0"/>
+                <a:ea typeface="ＭＳ Ｐゴシック" charset="-128"/>
+              </a:defRPr>
+            </a:lvl7pPr>
+            <a:lvl8pPr marL="1371600" eaLnBrk="0" fontAlgn="base" hangingPunct="0">
+              <a:spcBef>
+                <a:spcPct val="0"/>
+              </a:spcBef>
+              <a:spcAft>
+                <a:spcPct val="0"/>
+              </a:spcAft>
+              <a:defRPr sz="7200">
+                <a:solidFill>
+                  <a:schemeClr val="tx1"/>
+                </a:solidFill>
+                <a:latin typeface="Arial" charset="0"/>
+                <a:ea typeface="ＭＳ Ｐゴシック" charset="-128"/>
+              </a:defRPr>
+            </a:lvl8pPr>
+            <a:lvl9pPr marL="1828800" eaLnBrk="0" fontAlgn="base" hangingPunct="0">
+              <a:spcBef>
+                <a:spcPct val="0"/>
+              </a:spcBef>
+              <a:spcAft>
+                <a:spcPct val="0"/>
+              </a:spcAft>
+              <a:defRPr sz="7200">
+                <a:solidFill>
+                  <a:schemeClr val="tx1"/>
+                </a:solidFill>
+                <a:latin typeface="Arial" charset="0"/>
+                <a:ea typeface="ＭＳ Ｐゴシック" charset="-128"/>
+              </a:defRPr>
+            </a:lvl9pPr>
+          </a:lstStyle>
+          <a:p>
+            <a:pPr eaLnBrk="1" hangingPunct="1">
+              <a:lnSpc>
+                <a:spcPts val="5280"/>
+              </a:lnSpc>
+              <a:spcBef>
+                <a:spcPts val="0"/>
+              </a:spcBef>
+            </a:pPr>
+            <a:r>
+              <a:rPr lang="en-US" altLang="en-US" sz="4400" b="1" dirty="0">
+                <a:latin typeface="Century Gothic" panose="020B0502020202020204" pitchFamily="34" charset="0"/>
+              </a:rPr>
+              <a:t>Introduction</a:t>
+            </a:r>
+          </a:p>
+          <a:p>
+            <a:pPr algn="just" eaLnBrk="1" hangingPunct="1">
+              <a:lnSpc>
+                <a:spcPts val="5280"/>
+              </a:lnSpc>
+              <a:spcBef>
+                <a:spcPts val="0"/>
+              </a:spcBef>
+            </a:pPr>
+            <a:r>
+              <a:rPr lang="en-US" sz="3600" dirty="0">
+                <a:latin typeface="Palatino" pitchFamily="2" charset="77"/>
+                <a:ea typeface="Palatino" pitchFamily="2" charset="77"/>
+              </a:rPr>
+              <a:t>In 0.05</a:t>
+            </a:r>
+          </a:p>
+        </p:txBody>
+      </p:sp>
+      <p:pic>
+        <p:nvPicPr>
+          <p:cNvPr id="11" name="Graphic 10">
+            <a:extLst>
+              <a:ext uri="{FF2B5EF4-FFF2-40B4-BE49-F238E27FC236}">
+                <a16:creationId xmlns:a16="http://schemas.microsoft.com/office/drawing/2014/main" id="{C637FB5A-A3DE-8E24-CB7A-03EFFEA4662F}"/>
+              </a:ext>
+            </a:extLst>
+          </p:cNvPr>
+          <p:cNvPicPr>
+            <a:picLocks noChangeAspect="1"/>
+          </p:cNvPicPr>
+          <p:nvPr/>
+        </p:nvPicPr>
+        <p:blipFill>
+          <a:blip r:embed="rId13">
+            <a:extLst>
+              <a:ext uri="{96DAC541-7B7A-43D3-8B79-37D633B846F1}">
+                <asvg:svgBlip xmlns:asvg="http://schemas.microsoft.com/office/drawing/2016/SVG/main" r:embed="rId14"/>
+              </a:ext>
+            </a:extLst>
+          </a:blip>
+          <a:srcRect/>
+          <a:stretch/>
+        </p:blipFill>
+        <p:spPr>
+          <a:xfrm>
+            <a:off x="2621638" y="14741257"/>
+            <a:ext cx="7772400" cy="1515893"/>
+          </a:xfrm>
+          <a:prstGeom prst="rect">
+            <a:avLst/>
+          </a:prstGeom>
+        </p:spPr>
+      </p:pic>
+      <p:sp>
+        <p:nvSpPr>
+          <p:cNvPr id="14" name="TextBox 13">
+            <a:extLst>
+              <a:ext uri="{FF2B5EF4-FFF2-40B4-BE49-F238E27FC236}">
+                <a16:creationId xmlns:a16="http://schemas.microsoft.com/office/drawing/2014/main" id="{84F3F7AB-1F8B-5892-1F2D-12200293AD53}"/>
+              </a:ext>
+            </a:extLst>
+          </p:cNvPr>
+          <p:cNvSpPr txBox="1"/>
+          <p:nvPr/>
+        </p:nvSpPr>
+        <p:spPr>
+          <a:xfrm>
+            <a:off x="2576987" y="16316979"/>
+            <a:ext cx="7557613" cy="523221"/>
+          </a:xfrm>
+          <a:prstGeom prst="rect">
+            <a:avLst/>
+          </a:prstGeom>
+          <a:noFill/>
+        </p:spPr>
+        <p:txBody>
+          <a:bodyPr wrap="square">
+            <a:spAutoFit/>
+          </a:bodyPr>
+          <a:lstStyle/>
+          <a:p>
+            <a:pPr>
+              <a:spcBef>
+                <a:spcPts val="0"/>
+              </a:spcBef>
+            </a:pPr>
+            <a:r>
+              <a:rPr lang="en-US" sz="2800" dirty="0">
+                <a:latin typeface="Century Gothic" panose="020B0502020202020204" pitchFamily="34" charset="0"/>
+              </a:rPr>
+              <a:t>0.05</a:t>
+            </a:r>
+          </a:p>
+        </p:txBody>
+      </p:sp>
     </p:spTree>
     <p:extLst>
       <p:ext uri="{BB962C8B-B14F-4D97-AF65-F5344CB8AC3E}">
